--- a/CCHU9009/Presentation/Organs-Q1.pptx
+++ b/CCHU9009/Presentation/Organs-Q1.pptx
@@ -5,10 +5,10 @@
     <p:sldMasterId id="2147483660" r:id="rId4"/>
   </p:sldMasterIdLst>
   <p:notesMasterIdLst>
-    <p:notesMasterId r:id="rId24"/>
+    <p:notesMasterId r:id="rId25"/>
   </p:notesMasterIdLst>
   <p:handoutMasterIdLst>
-    <p:handoutMasterId r:id="rId25"/>
+    <p:handoutMasterId r:id="rId26"/>
   </p:handoutMasterIdLst>
   <p:sldIdLst>
     <p:sldId id="266" r:id="rId5"/>
@@ -28,8 +28,9 @@
     <p:sldId id="273" r:id="rId19"/>
     <p:sldId id="277" r:id="rId20"/>
     <p:sldId id="274" r:id="rId21"/>
-    <p:sldId id="281" r:id="rId22"/>
-    <p:sldId id="282" r:id="rId23"/>
+    <p:sldId id="282" r:id="rId22"/>
+    <p:sldId id="281" r:id="rId23"/>
+    <p:sldId id="293" r:id="rId24"/>
   </p:sldIdLst>
   <p:sldSz cx="12192000" cy="6858000"/>
   <p:notesSz cx="6858000" cy="9144000"/>
@@ -227,7 +228,7 @@
                 <a:latin typeface="Microsoft YaHei UI" panose="020B0503020204020204" pitchFamily="34" charset="-122"/>
                 <a:ea typeface="Microsoft YaHei UI" panose="020B0503020204020204" pitchFamily="34" charset="-122"/>
               </a:rPr>
-              <a:t>2022/10/2</a:t>
+              <a:t>2022/10/3</a:t>
             </a:fld>
             <a:endParaRPr lang="zh-CN" altLang="en-US" dirty="0">
               <a:latin typeface="Microsoft YaHei UI" panose="020B0503020204020204" pitchFamily="34" charset="-122"/>
@@ -411,7 +412,7 @@
           <a:p>
             <a:fld id="{45076F99-0C14-4B99-ADE0-2BC535F488F4}" type="datetime1">
               <a:rPr lang="zh-CN" altLang="en-US" noProof="0" smtClean="0"/>
-              <a:t>2022/10/2</a:t>
+              <a:t>2022/10/3</a:t>
             </a:fld>
             <a:endParaRPr lang="zh-CN" altLang="en-US" noProof="0" dirty="0"/>
           </a:p>
@@ -1026,7 +1027,7 @@
             <a:pPr rtl="0"/>
             <a:fld id="{0AC2877E-34F0-45DA-BFF3-A4026ED68CD9}" type="datetime1">
               <a:rPr lang="zh-CN" altLang="en-US" noProof="0" smtClean="0"/>
-              <a:t>2022/10/2</a:t>
+              <a:t>2022/10/3</a:t>
             </a:fld>
             <a:endParaRPr lang="zh-CN" altLang="en-US" noProof="0" dirty="0"/>
           </a:p>
@@ -1218,7 +1219,7 @@
             <a:pPr rtl="0"/>
             <a:fld id="{22861A1D-D471-4C4E-BABB-70F18917C56B}" type="datetime1">
               <a:rPr lang="zh-CN" altLang="en-US" noProof="0" smtClean="0"/>
-              <a:t>2022/10/2</a:t>
+              <a:t>2022/10/3</a:t>
             </a:fld>
             <a:endParaRPr lang="zh-CN" altLang="en-US" noProof="0" dirty="0"/>
           </a:p>
@@ -1595,7 +1596,7 @@
             <a:pPr rtl="0"/>
             <a:fld id="{FC104580-E037-4962-9B10-0B01A4F4CFE2}" type="datetime1">
               <a:rPr lang="zh-CN" altLang="en-US" noProof="0" smtClean="0"/>
-              <a:t>2022/10/2</a:t>
+              <a:t>2022/10/3</a:t>
             </a:fld>
             <a:endParaRPr lang="zh-CN" altLang="en-US" noProof="0" dirty="0"/>
           </a:p>
@@ -1854,7 +1855,7 @@
             <a:pPr rtl="0"/>
             <a:fld id="{F1A6CD15-43D8-453C-99B3-FEAE68C9A9C1}" type="datetime1">
               <a:rPr lang="zh-CN" altLang="en-US" noProof="0" smtClean="0"/>
-              <a:t>2022/10/2</a:t>
+              <a:t>2022/10/3</a:t>
             </a:fld>
             <a:endParaRPr lang="zh-CN" altLang="en-US" noProof="0" dirty="0"/>
           </a:p>
@@ -2255,7 +2256,7 @@
             <a:pPr rtl="0"/>
             <a:fld id="{7DA0132F-2908-4A2D-93BA-AEA9598A4ECB}" type="datetime1">
               <a:rPr lang="zh-CN" altLang="en-US" noProof="0" smtClean="0"/>
-              <a:t>2022/10/2</a:t>
+              <a:t>2022/10/3</a:t>
             </a:fld>
             <a:endParaRPr lang="zh-CN" altLang="en-US" noProof="0" dirty="0"/>
           </a:p>
@@ -2395,7 +2396,7 @@
             <a:pPr rtl="0"/>
             <a:fld id="{772E1D73-660B-4641-A7AC-D75DB48EF001}" type="datetime1">
               <a:rPr lang="zh-CN" altLang="en-US" noProof="0" smtClean="0"/>
-              <a:t>2022/10/2</a:t>
+              <a:t>2022/10/3</a:t>
             </a:fld>
             <a:endParaRPr lang="zh-CN" altLang="en-US" noProof="0" dirty="0"/>
           </a:p>
@@ -2555,7 +2556,7 @@
             <a:pPr rtl="0"/>
             <a:fld id="{FA8DBB44-20BA-4AB1-B3C1-17ED77FEFAEC}" type="datetime1">
               <a:rPr lang="zh-CN" altLang="en-US" noProof="0" smtClean="0"/>
-              <a:t>2022/10/2</a:t>
+              <a:t>2022/10/3</a:t>
             </a:fld>
             <a:endParaRPr lang="zh-CN" altLang="en-US" noProof="0" dirty="0"/>
           </a:p>
@@ -2888,7 +2889,7 @@
             <a:pPr rtl="0"/>
             <a:fld id="{605695C5-85A1-44DB-9C6D-2F3D6204D345}" type="datetime1">
               <a:rPr lang="zh-CN" altLang="en-US" noProof="0" smtClean="0"/>
-              <a:t>2022/10/2</a:t>
+              <a:t>2022/10/3</a:t>
             </a:fld>
             <a:endParaRPr lang="zh-CN" altLang="en-US" noProof="0" dirty="0"/>
           </a:p>
@@ -3243,7 +3244,7 @@
             <a:pPr rtl="0"/>
             <a:fld id="{2DC7DA49-1BD8-44BE-9FA5-E6F240A00120}" type="datetime1">
               <a:rPr lang="zh-CN" altLang="en-US" noProof="0" smtClean="0"/>
-              <a:t>2022/10/2</a:t>
+              <a:t>2022/10/3</a:t>
             </a:fld>
             <a:endParaRPr lang="zh-CN" altLang="en-US" noProof="0" dirty="0"/>
           </a:p>
@@ -3506,7 +3507,7 @@
           <a:p>
             <a:fld id="{8E6B8250-8FD5-46A4-80E4-FF06E3DD67D1}" type="datetime1">
               <a:rPr lang="zh-CN" altLang="en-US" noProof="0" smtClean="0"/>
-              <a:t>2022/10/2</a:t>
+              <a:t>2022/10/3</a:t>
             </a:fld>
             <a:endParaRPr lang="zh-CN" altLang="en-US" noProof="0" dirty="0"/>
           </a:p>
@@ -4352,14 +4353,6 @@
   <p:clrMapOvr>
     <a:masterClrMapping/>
   </p:clrMapOvr>
-  <mc:AlternateContent xmlns:mc="http://schemas.openxmlformats.org/markup-compatibility/2006">
-    <mc:Choice xmlns:p14="http://schemas.microsoft.com/office/powerpoint/2010/main" Requires="p14">
-      <p:transition spd="slow" p14:dur="2000" advTm="9071"/>
-    </mc:Choice>
-    <mc:Fallback>
-      <p:transition spd="slow" advTm="9071"/>
-    </mc:Fallback>
-  </mc:AlternateContent>
 </p:sld>
 </file>
 
@@ -5298,10 +5291,10 @@
       </p:grpSpPr>
       <p:sp>
         <p:nvSpPr>
-          <p:cNvPr id="5" name="标题 4">
+          <p:cNvPr id="2" name="标题 1">
             <a:extLst>
               <a:ext uri="{FF2B5EF4-FFF2-40B4-BE49-F238E27FC236}">
-                <a16:creationId xmlns:a16="http://schemas.microsoft.com/office/drawing/2014/main" id="{E817CE52-0F82-AB9C-A0DB-2096280E2AB6}"/>
+                <a16:creationId xmlns:a16="http://schemas.microsoft.com/office/drawing/2014/main" id="{0C53157C-52D3-F244-08D8-54FB8A1576F3}"/>
               </a:ext>
             </a:extLst>
           </p:cNvPr>
@@ -5319,7 +5312,7 @@
           <a:p>
             <a:r>
               <a:rPr lang="en-US" altLang="zh-CN" dirty="0"/>
-              <a:t>Moral Obligation</a:t>
+              <a:t>Sweat Factory &amp; Nike</a:t>
             </a:r>
             <a:endParaRPr lang="zh-CN" altLang="en-US" dirty="0"/>
           </a:p>
@@ -5327,210 +5320,63 @@
       </p:sp>
       <p:sp>
         <p:nvSpPr>
-          <p:cNvPr id="7" name="笑脸 6">
+          <p:cNvPr id="4" name="内容占位符 3">
             <a:extLst>
               <a:ext uri="{FF2B5EF4-FFF2-40B4-BE49-F238E27FC236}">
-                <a16:creationId xmlns:a16="http://schemas.microsoft.com/office/drawing/2014/main" id="{81EFDC16-F7CF-6D0C-36CE-B5C07EF3B29B}"/>
+                <a16:creationId xmlns:a16="http://schemas.microsoft.com/office/drawing/2014/main" id="{4B6D2257-EC0B-BA7B-8ED3-37E401BE37D9}"/>
               </a:ext>
             </a:extLst>
           </p:cNvPr>
-          <p:cNvSpPr/>
+          <p:cNvSpPr>
+            <a:spLocks noGrp="1"/>
+          </p:cNvSpPr>
+          <p:nvPr>
+            <p:ph idx="1"/>
+          </p:nvPr>
+        </p:nvSpPr>
+        <p:spPr/>
+        <p:txBody>
+          <a:bodyPr/>
+          <a:lstStyle/>
+          <a:p>
+            <a:endParaRPr lang="zh-CN" altLang="en-US" dirty="0"/>
+          </a:p>
+        </p:txBody>
+      </p:sp>
+      <p:pic>
+        <p:nvPicPr>
+          <p:cNvPr id="6" name="图片 5">
+            <a:extLst>
+              <a:ext uri="{FF2B5EF4-FFF2-40B4-BE49-F238E27FC236}">
+                <a16:creationId xmlns:a16="http://schemas.microsoft.com/office/drawing/2014/main" id="{8733FBD8-CA19-CB65-04C2-1736E0FCE04B}"/>
+              </a:ext>
+            </a:extLst>
+          </p:cNvPr>
+          <p:cNvPicPr>
+            <a:picLocks noChangeAspect="1"/>
+          </p:cNvPicPr>
           <p:nvPr/>
-        </p:nvSpPr>
+        </p:nvPicPr>
+        <p:blipFill>
+          <a:blip r:embed="rId2"/>
+          <a:stretch>
+            <a:fillRect/>
+          </a:stretch>
+        </p:blipFill>
         <p:spPr>
           <a:xfrm>
-            <a:off x="1521230" y="2651759"/>
-            <a:ext cx="1800000" cy="1800000"/>
-          </a:xfrm>
-          <a:prstGeom prst="smileyFace">
-            <a:avLst>
-              <a:gd name="adj" fmla="val -4653"/>
-            </a:avLst>
-          </a:prstGeom>
-          <a:noFill/>
-        </p:spPr>
-        <p:style>
-          <a:lnRef idx="2">
-            <a:schemeClr val="accent1">
-              <a:shade val="50000"/>
-            </a:schemeClr>
-          </a:lnRef>
-          <a:fillRef idx="1">
-            <a:schemeClr val="accent1"/>
-          </a:fillRef>
-          <a:effectRef idx="0">
-            <a:schemeClr val="accent1"/>
-          </a:effectRef>
-          <a:fontRef idx="minor">
-            <a:schemeClr val="lt1"/>
-          </a:fontRef>
-        </p:style>
-        <p:txBody>
-          <a:bodyPr rtlCol="0" anchor="ctr"/>
-          <a:lstStyle/>
-          <a:p>
-            <a:pPr algn="ctr"/>
-            <a:endParaRPr lang="zh-CN" altLang="en-US"/>
-          </a:p>
-        </p:txBody>
-      </p:sp>
-      <p:sp>
-        <p:nvSpPr>
-          <p:cNvPr id="8" name="笑脸 7">
-            <a:extLst>
-              <a:ext uri="{FF2B5EF4-FFF2-40B4-BE49-F238E27FC236}">
-                <a16:creationId xmlns:a16="http://schemas.microsoft.com/office/drawing/2014/main" id="{388A8928-9284-E13C-4D13-57A70DC83F97}"/>
-              </a:ext>
-            </a:extLst>
-          </p:cNvPr>
-          <p:cNvSpPr/>
-          <p:nvPr/>
-        </p:nvSpPr>
-        <p:spPr>
-          <a:xfrm>
-            <a:off x="7970771" y="2651759"/>
-            <a:ext cx="1800000" cy="1800000"/>
-          </a:xfrm>
-          <a:prstGeom prst="smileyFace">
-            <a:avLst>
-              <a:gd name="adj" fmla="val -4653"/>
-            </a:avLst>
-          </a:prstGeom>
-          <a:noFill/>
-          <a:ln>
-            <a:solidFill>
-              <a:schemeClr val="tx2">
-                <a:lumMod val="50000"/>
-                <a:lumOff val="50000"/>
-              </a:schemeClr>
-            </a:solidFill>
-          </a:ln>
-        </p:spPr>
-        <p:style>
-          <a:lnRef idx="2">
-            <a:schemeClr val="accent1">
-              <a:shade val="50000"/>
-            </a:schemeClr>
-          </a:lnRef>
-          <a:fillRef idx="1">
-            <a:schemeClr val="accent1"/>
-          </a:fillRef>
-          <a:effectRef idx="0">
-            <a:schemeClr val="accent1"/>
-          </a:effectRef>
-          <a:fontRef idx="minor">
-            <a:schemeClr val="lt1"/>
-          </a:fontRef>
-        </p:style>
-        <p:txBody>
-          <a:bodyPr rtlCol="0" anchor="ctr"/>
-          <a:lstStyle/>
-          <a:p>
-            <a:pPr algn="ctr"/>
-            <a:endParaRPr lang="zh-CN" altLang="en-US"/>
-          </a:p>
-        </p:txBody>
-      </p:sp>
-      <p:sp>
-        <p:nvSpPr>
-          <p:cNvPr id="9" name="文本框 8">
-            <a:extLst>
-              <a:ext uri="{FF2B5EF4-FFF2-40B4-BE49-F238E27FC236}">
-                <a16:creationId xmlns:a16="http://schemas.microsoft.com/office/drawing/2014/main" id="{0EC03E67-4254-2559-AFFC-159006BD89A9}"/>
-              </a:ext>
-            </a:extLst>
-          </p:cNvPr>
-          <p:cNvSpPr txBox="1"/>
-          <p:nvPr/>
-        </p:nvSpPr>
-        <p:spPr>
-          <a:xfrm>
-            <a:off x="1336419" y="4638502"/>
-            <a:ext cx="2169621" cy="646331"/>
+            <a:off x="3211605" y="2108201"/>
+            <a:ext cx="5829749" cy="3760890"/>
           </a:xfrm>
           <a:prstGeom prst="rect">
             <a:avLst/>
           </a:prstGeom>
-          <a:noFill/>
-        </p:spPr>
-        <p:txBody>
-          <a:bodyPr wrap="square" rtlCol="0">
-            <a:spAutoFit/>
-          </a:bodyPr>
-          <a:lstStyle/>
-          <a:p>
-            <a:pPr algn="ctr"/>
-            <a:r>
-              <a:rPr lang="en-US" altLang="zh-CN" dirty="0"/>
-              <a:t>A</a:t>
-            </a:r>
-          </a:p>
-          <a:p>
-            <a:pPr algn="ctr"/>
-            <a:r>
-              <a:rPr lang="en-US" altLang="zh-CN" dirty="0"/>
-              <a:t>(</a:t>
-            </a:r>
-            <a:r>
-              <a:rPr lang="en-US" altLang="zh-CN" dirty="0" err="1"/>
-              <a:t>Gonna</a:t>
-            </a:r>
-            <a:r>
-              <a:rPr lang="en-US" altLang="zh-CN" dirty="0"/>
-              <a:t> Die)</a:t>
-            </a:r>
-            <a:endParaRPr lang="zh-CN" altLang="en-US" dirty="0"/>
-          </a:p>
-        </p:txBody>
-      </p:sp>
-      <p:sp>
-        <p:nvSpPr>
-          <p:cNvPr id="10" name="文本框 9">
-            <a:extLst>
-              <a:ext uri="{FF2B5EF4-FFF2-40B4-BE49-F238E27FC236}">
-                <a16:creationId xmlns:a16="http://schemas.microsoft.com/office/drawing/2014/main" id="{14F38E69-7F7F-C54D-68CB-5B3001F5FE06}"/>
-              </a:ext>
-            </a:extLst>
-          </p:cNvPr>
-          <p:cNvSpPr txBox="1"/>
-          <p:nvPr/>
-        </p:nvSpPr>
-        <p:spPr>
-          <a:xfrm>
-            <a:off x="8160578" y="4621877"/>
-            <a:ext cx="1420385" cy="646331"/>
-          </a:xfrm>
-          <a:prstGeom prst="rect">
-            <a:avLst/>
-          </a:prstGeom>
-          <a:noFill/>
-        </p:spPr>
-        <p:txBody>
-          <a:bodyPr wrap="square" rtlCol="0">
-            <a:spAutoFit/>
-          </a:bodyPr>
-          <a:lstStyle/>
-          <a:p>
-            <a:pPr algn="ctr"/>
-            <a:r>
-              <a:rPr lang="en-US" altLang="zh-CN" dirty="0"/>
-              <a:t>B</a:t>
-            </a:r>
-          </a:p>
-          <a:p>
-            <a:pPr algn="ctr"/>
-            <a:r>
-              <a:rPr lang="en-US" altLang="zh-CN" dirty="0"/>
-              <a:t>(Need Organ)</a:t>
-            </a:r>
-            <a:endParaRPr lang="zh-CN" altLang="en-US" dirty="0"/>
-          </a:p>
-        </p:txBody>
-      </p:sp>
+        </p:spPr>
+      </p:pic>
     </p:spTree>
     <p:extLst>
       <p:ext uri="{BB962C8B-B14F-4D97-AF65-F5344CB8AC3E}">
-        <p14:creationId xmlns:p14="http://schemas.microsoft.com/office/powerpoint/2010/main" val="2513844230"/>
+        <p14:creationId xmlns:p14="http://schemas.microsoft.com/office/powerpoint/2010/main" val="372816578"/>
       </p:ext>
     </p:extLst>
   </p:cSld>
@@ -5559,10 +5405,10 @@
       </p:grpSpPr>
       <p:sp>
         <p:nvSpPr>
-          <p:cNvPr id="2" name="标题 1">
+          <p:cNvPr id="5" name="标题 4">
             <a:extLst>
               <a:ext uri="{FF2B5EF4-FFF2-40B4-BE49-F238E27FC236}">
-                <a16:creationId xmlns:a16="http://schemas.microsoft.com/office/drawing/2014/main" id="{0C53157C-52D3-F244-08D8-54FB8A1576F3}"/>
+                <a16:creationId xmlns:a16="http://schemas.microsoft.com/office/drawing/2014/main" id="{E817CE52-0F82-AB9C-A0DB-2096280E2AB6}"/>
               </a:ext>
             </a:extLst>
           </p:cNvPr>
@@ -5580,7 +5426,7 @@
           <a:p>
             <a:r>
               <a:rPr lang="en-US" altLang="zh-CN" dirty="0"/>
-              <a:t>Sweat Factory</a:t>
+              <a:t>Moral Obligation</a:t>
             </a:r>
             <a:endParaRPr lang="zh-CN" altLang="en-US" dirty="0"/>
           </a:p>
@@ -5588,63 +5434,210 @@
       </p:sp>
       <p:sp>
         <p:nvSpPr>
-          <p:cNvPr id="4" name="内容占位符 3">
+          <p:cNvPr id="7" name="笑脸 6">
             <a:extLst>
               <a:ext uri="{FF2B5EF4-FFF2-40B4-BE49-F238E27FC236}">
-                <a16:creationId xmlns:a16="http://schemas.microsoft.com/office/drawing/2014/main" id="{4B6D2257-EC0B-BA7B-8ED3-37E401BE37D9}"/>
+                <a16:creationId xmlns:a16="http://schemas.microsoft.com/office/drawing/2014/main" id="{81EFDC16-F7CF-6D0C-36CE-B5C07EF3B29B}"/>
               </a:ext>
             </a:extLst>
           </p:cNvPr>
-          <p:cNvSpPr>
-            <a:spLocks noGrp="1"/>
-          </p:cNvSpPr>
-          <p:nvPr>
-            <p:ph idx="1"/>
-          </p:nvPr>
-        </p:nvSpPr>
-        <p:spPr/>
-        <p:txBody>
-          <a:bodyPr/>
+          <p:cNvSpPr/>
+          <p:nvPr/>
+        </p:nvSpPr>
+        <p:spPr>
+          <a:xfrm>
+            <a:off x="1521230" y="2651759"/>
+            <a:ext cx="1800000" cy="1800000"/>
+          </a:xfrm>
+          <a:prstGeom prst="smileyFace">
+            <a:avLst>
+              <a:gd name="adj" fmla="val -4653"/>
+            </a:avLst>
+          </a:prstGeom>
+          <a:noFill/>
+        </p:spPr>
+        <p:style>
+          <a:lnRef idx="2">
+            <a:schemeClr val="accent1">
+              <a:shade val="50000"/>
+            </a:schemeClr>
+          </a:lnRef>
+          <a:fillRef idx="1">
+            <a:schemeClr val="accent1"/>
+          </a:fillRef>
+          <a:effectRef idx="0">
+            <a:schemeClr val="accent1"/>
+          </a:effectRef>
+          <a:fontRef idx="minor">
+            <a:schemeClr val="lt1"/>
+          </a:fontRef>
+        </p:style>
+        <p:txBody>
+          <a:bodyPr rtlCol="0" anchor="ctr"/>
           <a:lstStyle/>
           <a:p>
-            <a:endParaRPr lang="zh-CN" altLang="en-US" dirty="0"/>
-          </a:p>
-        </p:txBody>
-      </p:sp>
-      <p:pic>
-        <p:nvPicPr>
-          <p:cNvPr id="6" name="图片 5">
+            <a:pPr algn="ctr"/>
+            <a:endParaRPr lang="zh-CN" altLang="en-US"/>
+          </a:p>
+        </p:txBody>
+      </p:sp>
+      <p:sp>
+        <p:nvSpPr>
+          <p:cNvPr id="8" name="笑脸 7">
             <a:extLst>
               <a:ext uri="{FF2B5EF4-FFF2-40B4-BE49-F238E27FC236}">
-                <a16:creationId xmlns:a16="http://schemas.microsoft.com/office/drawing/2014/main" id="{8733FBD8-CA19-CB65-04C2-1736E0FCE04B}"/>
+                <a16:creationId xmlns:a16="http://schemas.microsoft.com/office/drawing/2014/main" id="{388A8928-9284-E13C-4D13-57A70DC83F97}"/>
               </a:ext>
             </a:extLst>
           </p:cNvPr>
-          <p:cNvPicPr>
-            <a:picLocks noChangeAspect="1"/>
-          </p:cNvPicPr>
+          <p:cNvSpPr/>
           <p:nvPr/>
-        </p:nvPicPr>
-        <p:blipFill>
-          <a:blip r:embed="rId2"/>
-          <a:stretch>
-            <a:fillRect/>
-          </a:stretch>
-        </p:blipFill>
+        </p:nvSpPr>
         <p:spPr>
           <a:xfrm>
-            <a:off x="3211605" y="2108201"/>
-            <a:ext cx="5829749" cy="3760890"/>
+            <a:off x="7970771" y="2651759"/>
+            <a:ext cx="1800000" cy="1800000"/>
+          </a:xfrm>
+          <a:prstGeom prst="smileyFace">
+            <a:avLst>
+              <a:gd name="adj" fmla="val -4653"/>
+            </a:avLst>
+          </a:prstGeom>
+          <a:noFill/>
+          <a:ln>
+            <a:solidFill>
+              <a:schemeClr val="tx2">
+                <a:lumMod val="50000"/>
+                <a:lumOff val="50000"/>
+              </a:schemeClr>
+            </a:solidFill>
+          </a:ln>
+        </p:spPr>
+        <p:style>
+          <a:lnRef idx="2">
+            <a:schemeClr val="accent1">
+              <a:shade val="50000"/>
+            </a:schemeClr>
+          </a:lnRef>
+          <a:fillRef idx="1">
+            <a:schemeClr val="accent1"/>
+          </a:fillRef>
+          <a:effectRef idx="0">
+            <a:schemeClr val="accent1"/>
+          </a:effectRef>
+          <a:fontRef idx="minor">
+            <a:schemeClr val="lt1"/>
+          </a:fontRef>
+        </p:style>
+        <p:txBody>
+          <a:bodyPr rtlCol="0" anchor="ctr"/>
+          <a:lstStyle/>
+          <a:p>
+            <a:pPr algn="ctr"/>
+            <a:endParaRPr lang="zh-CN" altLang="en-US"/>
+          </a:p>
+        </p:txBody>
+      </p:sp>
+      <p:sp>
+        <p:nvSpPr>
+          <p:cNvPr id="9" name="文本框 8">
+            <a:extLst>
+              <a:ext uri="{FF2B5EF4-FFF2-40B4-BE49-F238E27FC236}">
+                <a16:creationId xmlns:a16="http://schemas.microsoft.com/office/drawing/2014/main" id="{0EC03E67-4254-2559-AFFC-159006BD89A9}"/>
+              </a:ext>
+            </a:extLst>
+          </p:cNvPr>
+          <p:cNvSpPr txBox="1"/>
+          <p:nvPr/>
+        </p:nvSpPr>
+        <p:spPr>
+          <a:xfrm>
+            <a:off x="1336419" y="4638502"/>
+            <a:ext cx="2169621" cy="646331"/>
           </a:xfrm>
           <a:prstGeom prst="rect">
             <a:avLst/>
           </a:prstGeom>
-        </p:spPr>
-      </p:pic>
+          <a:noFill/>
+        </p:spPr>
+        <p:txBody>
+          <a:bodyPr wrap="square" rtlCol="0">
+            <a:spAutoFit/>
+          </a:bodyPr>
+          <a:lstStyle/>
+          <a:p>
+            <a:pPr algn="ctr"/>
+            <a:r>
+              <a:rPr lang="en-US" altLang="zh-CN" dirty="0"/>
+              <a:t>A</a:t>
+            </a:r>
+          </a:p>
+          <a:p>
+            <a:pPr algn="ctr"/>
+            <a:r>
+              <a:rPr lang="en-US" altLang="zh-CN" dirty="0"/>
+              <a:t>(</a:t>
+            </a:r>
+            <a:r>
+              <a:rPr lang="en-US" altLang="zh-CN" dirty="0" err="1"/>
+              <a:t>Gonna</a:t>
+            </a:r>
+            <a:r>
+              <a:rPr lang="en-US" altLang="zh-CN" dirty="0"/>
+              <a:t> Die)</a:t>
+            </a:r>
+            <a:endParaRPr lang="zh-CN" altLang="en-US" dirty="0"/>
+          </a:p>
+        </p:txBody>
+      </p:sp>
+      <p:sp>
+        <p:nvSpPr>
+          <p:cNvPr id="10" name="文本框 9">
+            <a:extLst>
+              <a:ext uri="{FF2B5EF4-FFF2-40B4-BE49-F238E27FC236}">
+                <a16:creationId xmlns:a16="http://schemas.microsoft.com/office/drawing/2014/main" id="{14F38E69-7F7F-C54D-68CB-5B3001F5FE06}"/>
+              </a:ext>
+            </a:extLst>
+          </p:cNvPr>
+          <p:cNvSpPr txBox="1"/>
+          <p:nvPr/>
+        </p:nvSpPr>
+        <p:spPr>
+          <a:xfrm>
+            <a:off x="8160578" y="4621877"/>
+            <a:ext cx="1420385" cy="646331"/>
+          </a:xfrm>
+          <a:prstGeom prst="rect">
+            <a:avLst/>
+          </a:prstGeom>
+          <a:noFill/>
+        </p:spPr>
+        <p:txBody>
+          <a:bodyPr wrap="square" rtlCol="0">
+            <a:spAutoFit/>
+          </a:bodyPr>
+          <a:lstStyle/>
+          <a:p>
+            <a:pPr algn="ctr"/>
+            <a:r>
+              <a:rPr lang="en-US" altLang="zh-CN" dirty="0"/>
+              <a:t>B</a:t>
+            </a:r>
+          </a:p>
+          <a:p>
+            <a:pPr algn="ctr"/>
+            <a:r>
+              <a:rPr lang="en-US" altLang="zh-CN" dirty="0"/>
+              <a:t>(Need Organ)</a:t>
+            </a:r>
+            <a:endParaRPr lang="zh-CN" altLang="en-US" dirty="0"/>
+          </a:p>
+        </p:txBody>
+      </p:sp>
     </p:spTree>
     <p:extLst>
       <p:ext uri="{BB962C8B-B14F-4D97-AF65-F5344CB8AC3E}">
-        <p14:creationId xmlns:p14="http://schemas.microsoft.com/office/powerpoint/2010/main" val="372816578"/>
+        <p14:creationId xmlns:p14="http://schemas.microsoft.com/office/powerpoint/2010/main" val="2513844230"/>
       </p:ext>
     </p:extLst>
   </p:cSld>
@@ -5712,6 +5705,73 @@
     <p:extLst>
       <p:ext uri="{BB962C8B-B14F-4D97-AF65-F5344CB8AC3E}">
         <p14:creationId xmlns:p14="http://schemas.microsoft.com/office/powerpoint/2010/main" val="1293950045"/>
+      </p:ext>
+    </p:extLst>
+  </p:cSld>
+  <p:clrMapOvr>
+    <a:masterClrMapping/>
+  </p:clrMapOvr>
+</p:sld>
+</file>
+
+<file path=ppt/slides/slide20.xml><?xml version="1.0" encoding="utf-8"?>
+<p:sld xmlns:a="http://schemas.openxmlformats.org/drawingml/2006/main" xmlns:r="http://schemas.openxmlformats.org/officeDocument/2006/relationships" xmlns:p="http://schemas.openxmlformats.org/presentationml/2006/main">
+  <p:cSld>
+    <p:spTree>
+      <p:nvGrpSpPr>
+        <p:cNvPr id="1" name=""/>
+        <p:cNvGrpSpPr/>
+        <p:nvPr/>
+      </p:nvGrpSpPr>
+      <p:grpSpPr>
+        <a:xfrm>
+          <a:off x="0" y="0"/>
+          <a:ext cx="0" cy="0"/>
+          <a:chOff x="0" y="0"/>
+          <a:chExt cx="0" cy="0"/>
+        </a:xfrm>
+      </p:grpSpPr>
+      <p:sp>
+        <p:nvSpPr>
+          <p:cNvPr id="2" name="标题 1">
+            <a:extLst>
+              <a:ext uri="{FF2B5EF4-FFF2-40B4-BE49-F238E27FC236}">
+                <a16:creationId xmlns:a16="http://schemas.microsoft.com/office/drawing/2014/main" id="{789EDBD0-E0B6-5912-E01D-1749913CCAC6}"/>
+              </a:ext>
+            </a:extLst>
+          </p:cNvPr>
+          <p:cNvSpPr>
+            <a:spLocks noGrp="1"/>
+          </p:cNvSpPr>
+          <p:nvPr>
+            <p:ph type="title" idx="4294967295"/>
+          </p:nvPr>
+        </p:nvSpPr>
+        <p:spPr>
+          <a:xfrm>
+            <a:off x="2496283" y="3079383"/>
+            <a:ext cx="7199434" cy="699233"/>
+          </a:xfrm>
+        </p:spPr>
+        <p:txBody>
+          <a:bodyPr>
+            <a:normAutofit fontScale="90000"/>
+          </a:bodyPr>
+          <a:lstStyle/>
+          <a:p>
+            <a:pPr algn="ctr"/>
+            <a:r>
+              <a:rPr lang="en-US" altLang="zh-Hans-HK" dirty="0"/>
+              <a:t>Thank you for your attention</a:t>
+            </a:r>
+            <a:endParaRPr lang="zh-Hans-HK" altLang="en-US" dirty="0"/>
+          </a:p>
+        </p:txBody>
+      </p:sp>
+    </p:spTree>
+    <p:extLst>
+      <p:ext uri="{BB962C8B-B14F-4D97-AF65-F5344CB8AC3E}">
+        <p14:creationId xmlns:p14="http://schemas.microsoft.com/office/powerpoint/2010/main" val="4252230607"/>
       </p:ext>
     </p:extLst>
   </p:cSld>
@@ -6907,7 +6967,7 @@
   <a:themeElements>
     <a:clrScheme name="Office">
       <a:dk1>
-        <a:sysClr val="windowText" lastClr="808080"/>
+        <a:sysClr val="windowText" lastClr="000000"/>
       </a:dk1>
       <a:lt1>
         <a:sysClr val="window" lastClr="FFFFFF"/>
@@ -7168,7 +7228,7 @@
   <a:themeElements>
     <a:clrScheme name="Office">
       <a:dk1>
-        <a:sysClr val="windowText" lastClr="808080"/>
+        <a:sysClr val="windowText" lastClr="000000"/>
       </a:dk1>
       <a:lt1>
         <a:sysClr val="window" lastClr="FFFFFF"/>
@@ -7428,7 +7488,7 @@
 <a:themeOverride xmlns:a="http://schemas.openxmlformats.org/drawingml/2006/main">
   <a:clrScheme name="Custom 40">
     <a:dk1>
-      <a:sysClr val="windowText" lastClr="808080"/>
+      <a:sysClr val="windowText" lastClr="000000"/>
     </a:dk1>
     <a:lt1>
       <a:sysClr val="window" lastClr="FFFFFF"/>
